--- a/Introduction.pptx
+++ b/Introduction.pptx
@@ -228,7 +228,7 @@
           <a:p>
             <a:fld id="{AC1729DF-5C1A-CA41-A11B-B033B27072A1}" type="datetimeFigureOut">
               <a:rPr lang="de-DE" smtClean="0"/>
-              <a:t>07.09.18</a:t>
+              <a:t>10.09.18</a:t>
             </a:fld>
             <a:endParaRPr lang="de-DE"/>
           </a:p>
@@ -729,7 +729,7 @@
           <a:p>
             <a:fld id="{17891E3F-8692-C443-982A-9ABF7E799F20}" type="datetimeFigureOut">
               <a:rPr lang="de-DE" smtClean="0"/>
-              <a:t>07.09.18</a:t>
+              <a:t>10.09.18</a:t>
             </a:fld>
             <a:endParaRPr lang="de-DE"/>
           </a:p>
@@ -929,7 +929,7 @@
           <a:p>
             <a:fld id="{17891E3F-8692-C443-982A-9ABF7E799F20}" type="datetimeFigureOut">
               <a:rPr lang="de-DE" smtClean="0"/>
-              <a:t>07.09.18</a:t>
+              <a:t>10.09.18</a:t>
             </a:fld>
             <a:endParaRPr lang="de-DE"/>
           </a:p>
@@ -1139,7 +1139,7 @@
           <a:p>
             <a:fld id="{17891E3F-8692-C443-982A-9ABF7E799F20}" type="datetimeFigureOut">
               <a:rPr lang="de-DE" smtClean="0"/>
-              <a:t>07.09.18</a:t>
+              <a:t>10.09.18</a:t>
             </a:fld>
             <a:endParaRPr lang="de-DE"/>
           </a:p>
@@ -1339,7 +1339,7 @@
           <a:p>
             <a:fld id="{17891E3F-8692-C443-982A-9ABF7E799F20}" type="datetimeFigureOut">
               <a:rPr lang="de-DE" smtClean="0"/>
-              <a:t>07.09.18</a:t>
+              <a:t>10.09.18</a:t>
             </a:fld>
             <a:endParaRPr lang="de-DE"/>
           </a:p>
@@ -1615,7 +1615,7 @@
           <a:p>
             <a:fld id="{17891E3F-8692-C443-982A-9ABF7E799F20}" type="datetimeFigureOut">
               <a:rPr lang="de-DE" smtClean="0"/>
-              <a:t>07.09.18</a:t>
+              <a:t>10.09.18</a:t>
             </a:fld>
             <a:endParaRPr lang="de-DE"/>
           </a:p>
@@ -1883,7 +1883,7 @@
           <a:p>
             <a:fld id="{17891E3F-8692-C443-982A-9ABF7E799F20}" type="datetimeFigureOut">
               <a:rPr lang="de-DE" smtClean="0"/>
-              <a:t>07.09.18</a:t>
+              <a:t>10.09.18</a:t>
             </a:fld>
             <a:endParaRPr lang="de-DE"/>
           </a:p>
@@ -2298,7 +2298,7 @@
           <a:p>
             <a:fld id="{17891E3F-8692-C443-982A-9ABF7E799F20}" type="datetimeFigureOut">
               <a:rPr lang="de-DE" smtClean="0"/>
-              <a:t>07.09.18</a:t>
+              <a:t>10.09.18</a:t>
             </a:fld>
             <a:endParaRPr lang="de-DE"/>
           </a:p>
@@ -2440,7 +2440,7 @@
           <a:p>
             <a:fld id="{17891E3F-8692-C443-982A-9ABF7E799F20}" type="datetimeFigureOut">
               <a:rPr lang="de-DE" smtClean="0"/>
-              <a:t>07.09.18</a:t>
+              <a:t>10.09.18</a:t>
             </a:fld>
             <a:endParaRPr lang="de-DE"/>
           </a:p>
@@ -2553,7 +2553,7 @@
           <a:p>
             <a:fld id="{17891E3F-8692-C443-982A-9ABF7E799F20}" type="datetimeFigureOut">
               <a:rPr lang="de-DE" smtClean="0"/>
-              <a:t>07.09.18</a:t>
+              <a:t>10.09.18</a:t>
             </a:fld>
             <a:endParaRPr lang="de-DE"/>
           </a:p>
@@ -2866,7 +2866,7 @@
           <a:p>
             <a:fld id="{17891E3F-8692-C443-982A-9ABF7E799F20}" type="datetimeFigureOut">
               <a:rPr lang="de-DE" smtClean="0"/>
-              <a:t>07.09.18</a:t>
+              <a:t>10.09.18</a:t>
             </a:fld>
             <a:endParaRPr lang="de-DE"/>
           </a:p>
@@ -3155,7 +3155,7 @@
           <a:p>
             <a:fld id="{17891E3F-8692-C443-982A-9ABF7E799F20}" type="datetimeFigureOut">
               <a:rPr lang="de-DE" smtClean="0"/>
-              <a:t>07.09.18</a:t>
+              <a:t>10.09.18</a:t>
             </a:fld>
             <a:endParaRPr lang="de-DE"/>
           </a:p>
@@ -3398,7 +3398,7 @@
           <a:p>
             <a:fld id="{17891E3F-8692-C443-982A-9ABF7E799F20}" type="datetimeFigureOut">
               <a:rPr lang="de-DE" smtClean="0"/>
-              <a:t>07.09.18</a:t>
+              <a:t>10.09.18</a:t>
             </a:fld>
             <a:endParaRPr lang="de-DE"/>
           </a:p>
@@ -8955,18 +8955,18 @@
               <a:t>by</a:t>
             </a:r>
             <a:r>
-              <a:rPr lang="de-DE" dirty="0"/>
+              <a:rPr lang="de-DE"/>
               <a:t> </a:t>
             </a:r>
             <a:r>
-              <a:rPr lang="de-DE" dirty="0" err="1">
+              <a:rPr lang="de-DE">
                 <a:hlinkClick r:id="rId6" tooltip="Facebook"/>
               </a:rPr>
               <a:t>Facebook</a:t>
             </a:r>
             <a:r>
-              <a:rPr lang="de-DE" dirty="0" err="1"/>
-              <a:t>and</a:t>
+              <a:rPr lang="de-DE"/>
+              <a:t> and</a:t>
             </a:r>
             <a:r>
               <a:rPr lang="de-DE" dirty="0"/>
